--- a/Projet n°7.pptx
+++ b/Projet n°7.pptx
@@ -4343,7 +4343,9 @@
         </p:nvSpPr>
         <p:spPr/>
         <p:txBody>
-          <a:bodyPr/>
+          <a:bodyPr>
+            <a:normAutofit lnSpcReduction="10000"/>
+          </a:bodyPr>
           <a:lstStyle/>
           <a:p>
             <a:r>
@@ -4375,6 +4377,15 @@
             <a:r>
               <a:rPr lang="fr-FR" dirty="0"/>
               <a:t>)</a:t>
+            </a:r>
+          </a:p>
+          <a:p>
+            <a:endParaRPr lang="fr-FR" dirty="0"/>
+          </a:p>
+          <a:p>
+            <a:r>
+              <a:rPr lang="fr-FR" dirty="0"/>
+              <a:t>Pas viable pour un grand nombre d’informations</a:t>
             </a:r>
           </a:p>
         </p:txBody>
@@ -4401,7 +4412,7 @@
         </p:blipFill>
         <p:spPr>
           <a:xfrm>
-            <a:off x="7427167" y="2771307"/>
+            <a:off x="6982551" y="2787175"/>
             <a:ext cx="4764833" cy="2095500"/>
           </a:xfrm>
           <a:prstGeom prst="rect">
@@ -4462,7 +4473,7 @@
           <a:p>
             <a:r>
               <a:rPr lang="fr-FR" dirty="0"/>
-              <a:t>Algorithme optimisé</a:t>
+              <a:t>Algorithme optimisé (Sac à dos)</a:t>
             </a:r>
           </a:p>
         </p:txBody>
@@ -4976,8 +4987,8 @@
         </p:nvSpPr>
         <p:spPr>
           <a:xfrm>
-            <a:off x="1130270" y="2667699"/>
-            <a:ext cx="5401159" cy="2798646"/>
+            <a:off x="1130271" y="2667699"/>
+            <a:ext cx="3877958" cy="2798646"/>
           </a:xfrm>
           <a:prstGeom prst="rect">
             <a:avLst/>
@@ -5206,7 +5217,10 @@
             <a:endParaRPr lang="fr-FR" dirty="0"/>
           </a:p>
           <a:p>
-            <a:endParaRPr lang="fr-FR" dirty="0"/>
+            <a:r>
+              <a:rPr lang="fr-FR" dirty="0"/>
+              <a:t>Tableau comparatif</a:t>
+            </a:r>
           </a:p>
           <a:p>
             <a:pPr marL="0" indent="0">

--- a/Projet n°7.pptx
+++ b/Projet n°7.pptx
@@ -259,7 +259,7 @@
           <a:p>
             <a:fld id="{48A87A34-81AB-432B-8DAE-1953F412C126}" type="datetimeFigureOut">
               <a:rPr lang="en-US" dirty="0"/>
-              <a:t>10/8/2021</a:t>
+              <a:t>10/9/2021</a:t>
             </a:fld>
             <a:endParaRPr lang="en-US" dirty="0"/>
           </a:p>
@@ -474,7 +474,7 @@
           <a:p>
             <a:fld id="{48A87A34-81AB-432B-8DAE-1953F412C126}" type="datetimeFigureOut">
               <a:rPr lang="en-US" dirty="0"/>
-              <a:t>10/8/2021</a:t>
+              <a:t>10/9/2021</a:t>
             </a:fld>
             <a:endParaRPr lang="en-US" dirty="0"/>
           </a:p>
@@ -693,7 +693,7 @@
           <a:p>
             <a:fld id="{48A87A34-81AB-432B-8DAE-1953F412C126}" type="datetimeFigureOut">
               <a:rPr lang="en-US" dirty="0"/>
-              <a:t>10/8/2021</a:t>
+              <a:t>10/9/2021</a:t>
             </a:fld>
             <a:endParaRPr lang="en-US" dirty="0"/>
           </a:p>
@@ -903,7 +903,7 @@
             <a:fld id="{48A87A34-81AB-432B-8DAE-1953F412C126}" type="datetimeFigureOut">
               <a:rPr lang="en-US" dirty="0"/>
               <a:pPr/>
-              <a:t>10/8/2021</a:t>
+              <a:t>10/9/2021</a:t>
             </a:fld>
             <a:endParaRPr lang="en-US" dirty="0"/>
           </a:p>
@@ -1190,7 +1190,7 @@
           <a:p>
             <a:fld id="{48A87A34-81AB-432B-8DAE-1953F412C126}" type="datetimeFigureOut">
               <a:rPr lang="en-US" dirty="0"/>
-              <a:t>10/8/2021</a:t>
+              <a:t>10/9/2021</a:t>
             </a:fld>
             <a:endParaRPr lang="en-US" dirty="0"/>
           </a:p>
@@ -1462,7 +1462,7 @@
           <a:p>
             <a:fld id="{48A87A34-81AB-432B-8DAE-1953F412C126}" type="datetimeFigureOut">
               <a:rPr lang="en-US" dirty="0"/>
-              <a:t>10/8/2021</a:t>
+              <a:t>10/9/2021</a:t>
             </a:fld>
             <a:endParaRPr lang="en-US" dirty="0"/>
           </a:p>
@@ -1882,7 +1882,7 @@
           <a:p>
             <a:fld id="{48A87A34-81AB-432B-8DAE-1953F412C126}" type="datetimeFigureOut">
               <a:rPr lang="en-US" dirty="0"/>
-              <a:t>10/8/2021</a:t>
+              <a:t>10/9/2021</a:t>
             </a:fld>
             <a:endParaRPr lang="en-US" dirty="0"/>
           </a:p>
@@ -2035,7 +2035,7 @@
           <a:p>
             <a:fld id="{48A87A34-81AB-432B-8DAE-1953F412C126}" type="datetimeFigureOut">
               <a:rPr lang="en-US" dirty="0"/>
-              <a:t>10/8/2021</a:t>
+              <a:t>10/9/2021</a:t>
             </a:fld>
             <a:endParaRPr lang="en-US" dirty="0"/>
           </a:p>
@@ -2165,7 +2165,7 @@
           <a:p>
             <a:fld id="{48A87A34-81AB-432B-8DAE-1953F412C126}" type="datetimeFigureOut">
               <a:rPr lang="en-US" dirty="0"/>
-              <a:t>10/8/2021</a:t>
+              <a:t>10/9/2021</a:t>
             </a:fld>
             <a:endParaRPr lang="en-US" dirty="0"/>
           </a:p>
@@ -2411,7 +2411,7 @@
           <a:p>
             <a:fld id="{48A87A34-81AB-432B-8DAE-1953F412C126}" type="datetimeFigureOut">
               <a:rPr lang="en-US" dirty="0"/>
-              <a:t>10/8/2021</a:t>
+              <a:t>10/9/2021</a:t>
             </a:fld>
             <a:endParaRPr lang="en-US" dirty="0"/>
           </a:p>
@@ -2867,7 +2867,7 @@
             <a:fld id="{48A87A34-81AB-432B-8DAE-1953F412C126}" type="datetimeFigureOut">
               <a:rPr lang="en-US" dirty="0"/>
               <a:pPr/>
-              <a:t>10/8/2021</a:t>
+              <a:t>10/9/2021</a:t>
             </a:fld>
             <a:endParaRPr lang="en-US" dirty="0"/>
           </a:p>
@@ -3245,7 +3245,7 @@
             <a:fld id="{48A87A34-81AB-432B-8DAE-1953F412C126}" type="datetimeFigureOut">
               <a:rPr lang="en-US" dirty="0"/>
               <a:pPr/>
-              <a:t>10/8/2021</a:t>
+              <a:t>10/9/2021</a:t>
             </a:fld>
             <a:endParaRPr lang="en-US" dirty="0"/>
           </a:p>
@@ -4913,6 +4913,96 @@
           </a:p>
         </p:txBody>
       </p:sp>
+      <p:sp>
+        <p:nvSpPr>
+          <p:cNvPr id="5" name="ZoneTexte 4">
+            <a:extLst>
+              <a:ext uri="{FF2B5EF4-FFF2-40B4-BE49-F238E27FC236}">
+                <a16:creationId xmlns:a16="http://schemas.microsoft.com/office/drawing/2014/main" id="{58F993F4-939B-432B-89B2-A32E82A7246F}"/>
+              </a:ext>
+            </a:extLst>
+          </p:cNvPr>
+          <p:cNvSpPr txBox="1"/>
+          <p:nvPr/>
+        </p:nvSpPr>
+        <p:spPr>
+          <a:xfrm>
+            <a:off x="9731230" y="958691"/>
+            <a:ext cx="1124125" cy="769441"/>
+          </a:xfrm>
+          <a:prstGeom prst="rect">
+            <a:avLst/>
+          </a:prstGeom>
+          <a:noFill/>
+        </p:spPr>
+        <p:txBody>
+          <a:bodyPr wrap="square" rtlCol="0">
+            <a:spAutoFit/>
+          </a:bodyPr>
+          <a:lstStyle/>
+          <a:p>
+            <a:r>
+              <a:rPr lang="fr-FR" sz="1100" dirty="0"/>
+              <a:t>T = Matrice</a:t>
+            </a:r>
+            <a:br>
+              <a:rPr lang="fr-FR" sz="1100" dirty="0"/>
+            </a:br>
+            <a:r>
+              <a:rPr lang="fr-FR" sz="1100" dirty="0"/>
+              <a:t>c = Cout</a:t>
+            </a:r>
+          </a:p>
+          <a:p>
+            <a:r>
+              <a:rPr lang="fr-FR" sz="1100" dirty="0"/>
+              <a:t>I = Action</a:t>
+            </a:r>
+            <a:br>
+              <a:rPr lang="fr-FR" sz="1100" dirty="0"/>
+            </a:br>
+            <a:r>
+              <a:rPr lang="fr-FR" sz="1100" dirty="0"/>
+              <a:t>w = Budget</a:t>
+            </a:r>
+          </a:p>
+        </p:txBody>
+      </p:sp>
+      <p:sp>
+        <p:nvSpPr>
+          <p:cNvPr id="6" name="ZoneTexte 5">
+            <a:extLst>
+              <a:ext uri="{FF2B5EF4-FFF2-40B4-BE49-F238E27FC236}">
+                <a16:creationId xmlns:a16="http://schemas.microsoft.com/office/drawing/2014/main" id="{6997C265-2507-4E1D-8123-E2D2D0CDFEA9}"/>
+              </a:ext>
+            </a:extLst>
+          </p:cNvPr>
+          <p:cNvSpPr txBox="1"/>
+          <p:nvPr/>
+        </p:nvSpPr>
+        <p:spPr>
+          <a:xfrm>
+            <a:off x="7220678" y="5639250"/>
+            <a:ext cx="2432807" cy="261610"/>
+          </a:xfrm>
+          <a:prstGeom prst="rect">
+            <a:avLst/>
+          </a:prstGeom>
+          <a:noFill/>
+        </p:spPr>
+        <p:txBody>
+          <a:bodyPr wrap="square" rtlCol="0">
+            <a:spAutoFit/>
+          </a:bodyPr>
+          <a:lstStyle/>
+          <a:p>
+            <a:r>
+              <a:rPr lang="fr-FR" sz="1100" dirty="0"/>
+              <a:t>Source : Wikipédia</a:t>
+            </a:r>
+          </a:p>
+        </p:txBody>
+      </p:sp>
     </p:spTree>
     <p:extLst>
       <p:ext uri="{BB962C8B-B14F-4D97-AF65-F5344CB8AC3E}">
@@ -6148,7 +6238,7 @@
             <p:ph idx="1"/>
             <p:extLst>
               <p:ext uri="{D42A27DB-BD31-4B8C-83A1-F6EECF244321}">
-                <p14:modId xmlns:p14="http://schemas.microsoft.com/office/powerpoint/2010/main" val="2755868600"/>
+                <p14:modId xmlns:p14="http://schemas.microsoft.com/office/powerpoint/2010/main" val="1508057551"/>
               </p:ext>
             </p:extLst>
           </p:nvPr>
@@ -7897,7 +7987,7 @@
                         </a:spcAft>
                       </a:pPr>
                       <a:r>
-                        <a:rPr lang="fr-FR" sz="1400" b="0" i="0" u="none" strike="noStrike">
+                        <a:rPr lang="fr-FR" sz="1400" b="0" i="0" u="none" strike="noStrike" dirty="0">
                           <a:solidFill>
                             <a:srgbClr val="000000"/>
                           </a:solidFill>
@@ -7906,7 +7996,7 @@
                         </a:rPr>
                         <a:t> </a:t>
                       </a:r>
-                      <a:endParaRPr lang="fr-FR" sz="2200" b="0" i="0" u="none" strike="noStrike">
+                      <a:endParaRPr lang="fr-FR" sz="2200" b="0" i="0" u="none" strike="noStrike" dirty="0">
                         <a:effectLst/>
                         <a:latin typeface="Arial" panose="020B0604020202020204" pitchFamily="34" charset="0"/>
                       </a:endParaRPr>
@@ -7940,9 +8030,9 @@
                       <a:headEnd type="none" w="med" len="med"/>
                       <a:tailEnd type="none" w="med" len="med"/>
                     </a:lnT>
-                    <a:lnB w="6350" cap="flat" cmpd="sng" algn="ctr">
-                      <a:solidFill>
-                        <a:srgbClr val="000000"/>
+                    <a:lnB w="12700" cap="flat" cmpd="sng" algn="ctr">
+                      <a:solidFill>
+                        <a:schemeClr val="tx1"/>
                       </a:solidFill>
                       <a:prstDash val="solid"/>
                       <a:round/>
@@ -7974,7 +8064,7 @@
                         </a:spcAft>
                       </a:pPr>
                       <a:r>
-                        <a:rPr lang="fr-FR" sz="1400" b="1" i="0" u="none" strike="noStrike">
+                        <a:rPr lang="fr-FR" sz="1400" b="1" i="0" u="none" strike="noStrike" dirty="0">
                           <a:solidFill>
                             <a:srgbClr val="202122"/>
                           </a:solidFill>
@@ -7983,7 +8073,7 @@
                         </a:rPr>
                         <a:t>∞</a:t>
                       </a:r>
-                      <a:endParaRPr lang="fr-FR" sz="2200" b="0" i="0" u="none" strike="noStrike">
+                      <a:endParaRPr lang="fr-FR" sz="2200" b="0" i="0" u="none" strike="noStrike" dirty="0">
                         <a:effectLst/>
                         <a:latin typeface="Arial" panose="020B0604020202020204" pitchFamily="34" charset="0"/>
                       </a:endParaRPr>
@@ -8017,9 +8107,9 @@
                       <a:headEnd type="none" w="med" len="med"/>
                       <a:tailEnd type="none" w="med" len="med"/>
                     </a:lnT>
-                    <a:lnB w="6350" cap="flat" cmpd="sng" algn="ctr">
-                      <a:solidFill>
-                        <a:srgbClr val="000000"/>
+                    <a:lnB w="12700" cap="flat" cmpd="sng" algn="ctr">
+                      <a:solidFill>
+                        <a:schemeClr val="tx1"/>
                       </a:solidFill>
                       <a:prstDash val="solid"/>
                       <a:round/>
@@ -8085,9 +8175,9 @@
                       <a:headEnd type="none" w="med" len="med"/>
                       <a:tailEnd type="none" w="med" len="med"/>
                     </a:lnT>
-                    <a:lnB w="6350" cap="flat" cmpd="sng" algn="ctr">
-                      <a:solidFill>
-                        <a:srgbClr val="000000"/>
+                    <a:lnB w="12700" cap="flat" cmpd="sng" algn="ctr">
+                      <a:solidFill>
+                        <a:schemeClr val="tx1"/>
                       </a:solidFill>
                       <a:prstDash val="solid"/>
                       <a:round/>
@@ -8442,9 +8532,9 @@
                       <a:headEnd type="none" w="med" len="med"/>
                       <a:tailEnd type="none" w="med" len="med"/>
                     </a:lnR>
-                    <a:lnT w="6350" cap="flat" cmpd="sng" algn="ctr">
-                      <a:solidFill>
-                        <a:srgbClr val="000000"/>
+                    <a:lnT w="12700" cap="flat" cmpd="sng" algn="ctr">
+                      <a:solidFill>
+                        <a:schemeClr val="tx1"/>
                       </a:solidFill>
                       <a:prstDash val="solid"/>
                       <a:round/>
@@ -8519,9 +8609,9 @@
                       <a:headEnd type="none" w="med" len="med"/>
                       <a:tailEnd type="none" w="med" len="med"/>
                     </a:lnR>
-                    <a:lnT w="6350" cap="flat" cmpd="sng" algn="ctr">
-                      <a:solidFill>
-                        <a:srgbClr val="000000"/>
+                    <a:lnT w="12700" cap="flat" cmpd="sng" algn="ctr">
+                      <a:solidFill>
+                        <a:schemeClr val="tx1"/>
                       </a:solidFill>
                       <a:prstDash val="solid"/>
                       <a:round/>
@@ -8581,9 +8671,9 @@
                       <a:headEnd type="none" w="med" len="med"/>
                       <a:tailEnd type="none" w="med" len="med"/>
                     </a:lnR>
-                    <a:lnT w="6350" cap="flat" cmpd="sng" algn="ctr">
-                      <a:solidFill>
-                        <a:srgbClr val="000000"/>
+                    <a:lnT w="12700" cap="flat" cmpd="sng" algn="ctr">
+                      <a:solidFill>
+                        <a:schemeClr val="tx1"/>
                       </a:solidFill>
                       <a:prstDash val="solid"/>
                       <a:round/>
@@ -8740,6 +8830,89 @@
                 <a:extLst>
                   <a:ext uri="{0D108BD9-81ED-4DB2-BD59-A6C34878D82A}">
                     <a16:rowId xmlns:a16="http://schemas.microsoft.com/office/drawing/2014/main" val="3288211948"/>
+                  </a:ext>
+                </a:extLst>
+              </a:tr>
+            </a:tbl>
+          </a:graphicData>
+        </a:graphic>
+      </p:graphicFrame>
+      <p:graphicFrame>
+        <p:nvGraphicFramePr>
+          <p:cNvPr id="6" name="Tableau 5">
+            <a:extLst>
+              <a:ext uri="{FF2B5EF4-FFF2-40B4-BE49-F238E27FC236}">
+                <a16:creationId xmlns:a16="http://schemas.microsoft.com/office/drawing/2014/main" id="{B89391BC-9376-4C73-90E9-48D89EF4CF0A}"/>
+              </a:ext>
+            </a:extLst>
+          </p:cNvPr>
+          <p:cNvGraphicFramePr>
+            <a:graphicFrameLocks noGrp="1"/>
+          </p:cNvGraphicFramePr>
+          <p:nvPr>
+            <p:extLst>
+              <p:ext uri="{D42A27DB-BD31-4B8C-83A1-F6EECF244321}">
+                <p14:modId xmlns:p14="http://schemas.microsoft.com/office/powerpoint/2010/main" val="1278311797"/>
+              </p:ext>
+            </p:extLst>
+          </p:nvPr>
+        </p:nvGraphicFramePr>
+        <p:xfrm>
+          <a:off x="7776593" y="3884104"/>
+          <a:ext cx="813733" cy="477268"/>
+        </p:xfrm>
+        <a:graphic>
+          <a:graphicData uri="http://schemas.openxmlformats.org/drawingml/2006/table">
+            <a:tbl>
+              <a:tblPr/>
+              <a:tblGrid>
+                <a:gridCol w="813733">
+                  <a:extLst>
+                    <a:ext uri="{9D8B030D-6E8A-4147-A177-3AD203B41FA5}">
+                      <a16:colId xmlns:a16="http://schemas.microsoft.com/office/drawing/2014/main" val="3875725510"/>
+                    </a:ext>
+                  </a:extLst>
+                </a:gridCol>
+              </a:tblGrid>
+              <a:tr h="477268">
+                <a:tc>
+                  <a:txBody>
+                    <a:bodyPr/>
+                    <a:lstStyle/>
+                    <a:p>
+                      <a:endParaRPr lang="fr-FR" dirty="0"/>
+                    </a:p>
+                  </a:txBody>
+                  <a:tcPr>
+                    <a:lnL w="6350" cmpd="sng">
+                      <a:solidFill>
+                        <a:schemeClr val="tx1"/>
+                      </a:solidFill>
+                      <a:prstDash val="solid"/>
+                    </a:lnL>
+                    <a:lnR w="6350" cmpd="sng">
+                      <a:solidFill>
+                        <a:schemeClr val="tx1"/>
+                      </a:solidFill>
+                      <a:prstDash val="solid"/>
+                    </a:lnR>
+                    <a:lnT w="6350" cmpd="sng">
+                      <a:solidFill>
+                        <a:schemeClr val="tx1"/>
+                      </a:solidFill>
+                      <a:prstDash val="solid"/>
+                    </a:lnT>
+                    <a:lnB w="6350" cmpd="sng">
+                      <a:solidFill>
+                        <a:schemeClr val="tx1"/>
+                      </a:solidFill>
+                      <a:prstDash val="solid"/>
+                    </a:lnB>
+                  </a:tcPr>
+                </a:tc>
+                <a:extLst>
+                  <a:ext uri="{0D108BD9-81ED-4DB2-BD59-A6C34878D82A}">
+                    <a16:rowId xmlns:a16="http://schemas.microsoft.com/office/drawing/2014/main" val="251136118"/>
                   </a:ext>
                 </a:extLst>
               </a:tr>
